--- a/docs/take3-model.pptx
+++ b/docs/take3-model.pptx
@@ -104,6 +104,11 @@
       </a:defRPr>
     </a:lvl9pPr>
   </p:defaultTextStyle>
+  <p:extLst>
+    <p:ext uri="{EFAFB233-063F-42B5-8137-9DF3F51BA10A}">
+      <p15:sldGuideLst xmlns:p15="http://schemas.microsoft.com/office/powerpoint/2012/main"/>
+    </p:ext>
+  </p:extLst>
 </p:presentation>
 </file>
 
@@ -3034,8 +3039,8 @@
         </p:nvSpPr>
         <p:spPr>
           <a:xfrm>
-            <a:off x="11134393" y="6268027"/>
-            <a:ext cx="2394286" cy="161636"/>
+            <a:off x="11031616" y="6268027"/>
+            <a:ext cx="2542143" cy="167932"/>
           </a:xfrm>
           <a:prstGeom prst="rect">
             <a:avLst/>
@@ -3069,7 +3074,7 @@
             <a:pPr algn="ctr"/>
             <a:r>
               <a:rPr lang="en-US" sz="1200" dirty="0"/>
-              <a:t>Separable Convolution (5 x 5 x 512)</a:t>
+              <a:t>Separable Convolution (40 x 40 x 64)</a:t>
             </a:r>
           </a:p>
         </p:txBody>
@@ -3146,8 +3151,8 @@
         </p:nvCxnSpPr>
         <p:spPr>
           <a:xfrm>
-            <a:off x="12331536" y="6429663"/>
-            <a:ext cx="0" cy="167916"/>
+            <a:off x="12302688" y="6435959"/>
+            <a:ext cx="28848" cy="161628"/>
           </a:xfrm>
           <a:prstGeom prst="straightConnector1">
             <a:avLst/>
@@ -3188,8 +3193,8 @@
         </p:nvCxnSpPr>
         <p:spPr>
           <a:xfrm flipH="1">
-            <a:off x="12331536" y="5142538"/>
-            <a:ext cx="1747432" cy="1125489"/>
+            <a:off x="12302688" y="5142538"/>
+            <a:ext cx="1776280" cy="1125489"/>
           </a:xfrm>
           <a:prstGeom prst="straightConnector1">
             <a:avLst/>
@@ -3374,7 +3379,7 @@
             </a:r>
             <a:r>
               <a:rPr lang="en-US" sz="1200" dirty="0"/>
-              <a:t> (__ x __ x ___)</a:t>
+              <a:t> (10 x 10 x 512)</a:t>
             </a:r>
           </a:p>
         </p:txBody>
@@ -3428,7 +3433,7 @@
             <a:pPr algn="ctr"/>
             <a:r>
               <a:rPr lang="en-US" sz="1200" dirty="0"/>
-              <a:t>Concatenation (__ x __ x ___)</a:t>
+              <a:t>Concatenation (10 x 10 x 768)</a:t>
             </a:r>
           </a:p>
         </p:txBody>
@@ -3585,8 +3590,8 @@
         </p:nvSpPr>
         <p:spPr>
           <a:xfrm>
-            <a:off x="13023777" y="4648385"/>
-            <a:ext cx="2394286" cy="161636"/>
+            <a:off x="12964160" y="4648385"/>
+            <a:ext cx="2453903" cy="158174"/>
           </a:xfrm>
           <a:prstGeom prst="rect">
             <a:avLst/>
@@ -3620,7 +3625,7 @@
             <a:pPr algn="ctr"/>
             <a:r>
               <a:rPr lang="en-US" sz="1200" dirty="0"/>
-              <a:t>Separable Convolution (5 x 5 x 512)</a:t>
+              <a:t>Separable Convolution (80 x 80 x 32)</a:t>
             </a:r>
           </a:p>
         </p:txBody>
@@ -3828,8 +3833,8 @@
         </p:nvSpPr>
         <p:spPr>
           <a:xfrm>
-            <a:off x="9310730" y="7809364"/>
-            <a:ext cx="2394286" cy="161636"/>
+            <a:off x="9225281" y="7809363"/>
+            <a:ext cx="2549630" cy="171395"/>
           </a:xfrm>
           <a:prstGeom prst="rect">
             <a:avLst/>
@@ -3863,7 +3868,7 @@
             <a:pPr algn="ctr"/>
             <a:r>
               <a:rPr lang="en-US" sz="1200" dirty="0"/>
-              <a:t>Separable Convolution (5 x 5 x 512)</a:t>
+              <a:t>Separable Convolution (20 x 20 x 128)</a:t>
             </a:r>
           </a:p>
         </p:txBody>
@@ -4071,8 +4076,8 @@
         </p:nvSpPr>
         <p:spPr>
           <a:xfrm>
-            <a:off x="6937753" y="9280025"/>
-            <a:ext cx="2394286" cy="161636"/>
+            <a:off x="6827520" y="9280025"/>
+            <a:ext cx="2542329" cy="171394"/>
           </a:xfrm>
           <a:prstGeom prst="rect">
             <a:avLst/>
@@ -4106,7 +4111,7 @@
             <a:pPr algn="ctr"/>
             <a:r>
               <a:rPr lang="en-US" sz="1200" dirty="0"/>
-              <a:t>Separable Convolution (5 x 5 x 512)</a:t>
+              <a:t>Separable Convolution (10 x 10 x 256)</a:t>
             </a:r>
           </a:p>
         </p:txBody>
@@ -4558,7 +4563,7 @@
         <p:spPr>
           <a:xfrm>
             <a:off x="5792798" y="16922433"/>
-            <a:ext cx="2394286" cy="161636"/>
+            <a:ext cx="2601282" cy="185722"/>
           </a:xfrm>
           <a:prstGeom prst="rect">
             <a:avLst/>
@@ -4592,7 +4597,7 @@
             <a:pPr algn="ctr"/>
             <a:r>
               <a:rPr lang="en-US" sz="1200" dirty="0"/>
-              <a:t>Separable Convolution (5 x 5 x 512)</a:t>
+              <a:t>Separable Convolution (10 x 10 x 256)</a:t>
             </a:r>
           </a:p>
         </p:txBody>
@@ -5047,7 +5052,7 @@
         <p:spPr>
           <a:xfrm>
             <a:off x="5808044" y="18269629"/>
-            <a:ext cx="2394286" cy="161636"/>
+            <a:ext cx="2586036" cy="171394"/>
           </a:xfrm>
           <a:prstGeom prst="rect">
             <a:avLst/>
@@ -5081,7 +5086,7 @@
             <a:pPr algn="ctr"/>
             <a:r>
               <a:rPr lang="en-US" sz="1200" dirty="0"/>
-              <a:t>Separable Convolution (5 x 5 x 512)</a:t>
+              <a:t>Separable Convolution (10 x 10 x 256)</a:t>
             </a:r>
           </a:p>
         </p:txBody>
@@ -5290,7 +5295,7 @@
         <p:spPr>
           <a:xfrm>
             <a:off x="5808044" y="19627113"/>
-            <a:ext cx="2394286" cy="161636"/>
+            <a:ext cx="2586036" cy="171394"/>
           </a:xfrm>
           <a:prstGeom prst="rect">
             <a:avLst/>
@@ -5324,7 +5329,7 @@
             <a:pPr algn="ctr"/>
             <a:r>
               <a:rPr lang="en-US" sz="1200" dirty="0"/>
-              <a:t>Separable Convolution (5 x 5 x 512)</a:t>
+              <a:t>Separable Convolution (10 x 10 x 256)</a:t>
             </a:r>
           </a:p>
         </p:txBody>
@@ -5627,7 +5632,7 @@
             </a:r>
             <a:r>
               <a:rPr lang="en-US" sz="1200" dirty="0"/>
-              <a:t> (__ x __ x ___)</a:t>
+              <a:t> (40 x 40 x 128)</a:t>
             </a:r>
           </a:p>
         </p:txBody>
@@ -5646,8 +5651,8 @@
         </p:nvSpPr>
         <p:spPr>
           <a:xfrm>
-            <a:off x="9369849" y="28569846"/>
-            <a:ext cx="3131907" cy="158174"/>
+            <a:off x="9213253" y="28569846"/>
+            <a:ext cx="3445098" cy="158174"/>
           </a:xfrm>
           <a:prstGeom prst="rect">
             <a:avLst/>
@@ -5681,7 +5686,7 @@
             <a:pPr algn="ctr"/>
             <a:r>
               <a:rPr lang="en-US" sz="1200" dirty="0"/>
-              <a:t>Concatenation (__ x __ x ___)</a:t>
+              <a:t>Concatenation (40 x 40 x 192)</a:t>
             </a:r>
           </a:p>
         </p:txBody>
@@ -5836,7 +5841,7 @@
         <p:spPr>
           <a:xfrm>
             <a:off x="9801330" y="29562012"/>
-            <a:ext cx="2394286" cy="161636"/>
+            <a:ext cx="2530206" cy="171394"/>
           </a:xfrm>
           <a:prstGeom prst="rect">
             <a:avLst/>
@@ -5870,7 +5875,7 @@
             <a:pPr algn="ctr"/>
             <a:r>
               <a:rPr lang="en-US" sz="1200" dirty="0"/>
-              <a:t>Separable Convolution (5 x 5 x 512)</a:t>
+              <a:t>Separable Convolution (40 x 40 x 64)</a:t>
             </a:r>
           </a:p>
         </p:txBody>
@@ -5987,8 +5992,8 @@
         </p:nvCxnSpPr>
         <p:spPr>
           <a:xfrm>
-            <a:off x="10935803" y="28728020"/>
-            <a:ext cx="62670" cy="834000"/>
+            <a:off x="10935802" y="28728020"/>
+            <a:ext cx="62671" cy="834000"/>
           </a:xfrm>
           <a:prstGeom prst="straightConnector1">
             <a:avLst/>
@@ -6079,7 +6084,7 @@
         <p:spPr>
           <a:xfrm>
             <a:off x="9816576" y="30909208"/>
-            <a:ext cx="2394286" cy="161636"/>
+            <a:ext cx="2514960" cy="143173"/>
           </a:xfrm>
           <a:prstGeom prst="rect">
             <a:avLst/>
@@ -6113,7 +6118,7 @@
             <a:pPr algn="ctr"/>
             <a:r>
               <a:rPr lang="en-US" sz="1200" dirty="0"/>
-              <a:t>Separable Convolution (5 x 5 x 512)</a:t>
+              <a:t>Separable Convolution (40 x 40 x 64)</a:t>
             </a:r>
           </a:p>
         </p:txBody>
@@ -6322,7 +6327,7 @@
         <p:spPr>
           <a:xfrm>
             <a:off x="9816576" y="32266692"/>
-            <a:ext cx="2394286" cy="161636"/>
+            <a:ext cx="2514960" cy="171394"/>
           </a:xfrm>
           <a:prstGeom prst="rect">
             <a:avLst/>
@@ -6356,7 +6361,7 @@
             <a:pPr algn="ctr"/>
             <a:r>
               <a:rPr lang="en-US" sz="1200" dirty="0"/>
-              <a:t>Separable Convolution (5 x 5 x 512)</a:t>
+              <a:t>Separable Convolution (40 x 40 x 64)</a:t>
             </a:r>
           </a:p>
         </p:txBody>
@@ -6659,7 +6664,7 @@
             </a:r>
             <a:r>
               <a:rPr lang="en-US" sz="1200" dirty="0"/>
-              <a:t> (__ x __ x ___)</a:t>
+              <a:t> (20 x 20 x 256)</a:t>
             </a:r>
           </a:p>
         </p:txBody>
@@ -6713,7 +6718,7 @@
             <a:pPr algn="ctr"/>
             <a:r>
               <a:rPr lang="en-US" sz="1200" dirty="0"/>
-              <a:t>Concatenation (__ x __ x ___)</a:t>
+              <a:t>Concatenation (20 x 20 x 384)</a:t>
             </a:r>
           </a:p>
         </p:txBody>
@@ -6868,7 +6873,7 @@
         <p:spPr>
           <a:xfrm>
             <a:off x="7693732" y="23257721"/>
-            <a:ext cx="2394286" cy="161636"/>
+            <a:ext cx="2618668" cy="171394"/>
           </a:xfrm>
           <a:prstGeom prst="rect">
             <a:avLst/>
@@ -6902,7 +6907,7 @@
             <a:pPr algn="ctr"/>
             <a:r>
               <a:rPr lang="en-US" sz="1200" dirty="0"/>
-              <a:t>Separable Convolution (5 x 5 x 512)</a:t>
+              <a:t>Separable Convolution (20 x 20 x 128)</a:t>
             </a:r>
           </a:p>
         </p:txBody>
@@ -7111,7 +7116,7 @@
         <p:spPr>
           <a:xfrm>
             <a:off x="7708978" y="24604917"/>
-            <a:ext cx="2394286" cy="161636"/>
+            <a:ext cx="2603422" cy="171394"/>
           </a:xfrm>
           <a:prstGeom prst="rect">
             <a:avLst/>
@@ -7145,7 +7150,7 @@
             <a:pPr algn="ctr"/>
             <a:r>
               <a:rPr lang="en-US" sz="1200" dirty="0"/>
-              <a:t>Separable Convolution (5 x 5 x 512)</a:t>
+              <a:t>Separable Convolution (20 x 20 x 128)</a:t>
             </a:r>
           </a:p>
         </p:txBody>
@@ -7354,7 +7359,7 @@
         <p:spPr>
           <a:xfrm>
             <a:off x="7708978" y="25962401"/>
-            <a:ext cx="2394286" cy="161636"/>
+            <a:ext cx="2603422" cy="143173"/>
           </a:xfrm>
           <a:prstGeom prst="rect">
             <a:avLst/>
@@ -7388,7 +7393,7 @@
             <a:pPr algn="ctr"/>
             <a:r>
               <a:rPr lang="en-US" sz="1200" dirty="0"/>
-              <a:t>Separable Convolution (5 x 5 x 512)</a:t>
+              <a:t>Separable Convolution (20 x 20 x 128)</a:t>
             </a:r>
           </a:p>
         </p:txBody>
@@ -7691,7 +7696,7 @@
             </a:r>
             <a:r>
               <a:rPr lang="en-US" sz="1200" dirty="0"/>
-              <a:t> (__ x __ x ___)</a:t>
+              <a:t> (80 x 80 x 64)</a:t>
             </a:r>
           </a:p>
         </p:txBody>
@@ -7745,7 +7750,7 @@
             <a:pPr algn="ctr"/>
             <a:r>
               <a:rPr lang="en-US" sz="1200" dirty="0"/>
-              <a:t>Concatenation (__ x __ x ___)</a:t>
+              <a:t>Concatenation (80 x 80 x 96)</a:t>
             </a:r>
           </a:p>
         </p:txBody>
@@ -7899,8 +7904,8 @@
         </p:nvSpPr>
         <p:spPr>
           <a:xfrm>
-            <a:off x="12206392" y="36207013"/>
-            <a:ext cx="2394286" cy="161636"/>
+            <a:off x="12206392" y="36207012"/>
+            <a:ext cx="2484968" cy="172747"/>
           </a:xfrm>
           <a:prstGeom prst="rect">
             <a:avLst/>
@@ -7934,7 +7939,7 @@
             <a:pPr algn="ctr"/>
             <a:r>
               <a:rPr lang="en-US" sz="1200" dirty="0"/>
-              <a:t>Separable Convolution (5 x 5 x 512)</a:t>
+              <a:t>Separable Convolution (80 x 80 x 32)</a:t>
             </a:r>
           </a:p>
         </p:txBody>
@@ -8142,8 +8147,8 @@
         </p:nvSpPr>
         <p:spPr>
           <a:xfrm>
-            <a:off x="12221638" y="37554209"/>
-            <a:ext cx="2394286" cy="161636"/>
+            <a:off x="12221638" y="37554208"/>
+            <a:ext cx="2469722" cy="172747"/>
           </a:xfrm>
           <a:prstGeom prst="rect">
             <a:avLst/>
@@ -8177,7 +8182,7 @@
             <a:pPr algn="ctr"/>
             <a:r>
               <a:rPr lang="en-US" sz="1200" dirty="0"/>
-              <a:t>Separable Convolution (5 x 5 x 512)</a:t>
+              <a:t>Separable Convolution (80 x 80 x 32)</a:t>
             </a:r>
           </a:p>
         </p:txBody>
@@ -8384,8 +8389,8 @@
         </p:nvSpPr>
         <p:spPr>
           <a:xfrm>
-            <a:off x="12221638" y="38911693"/>
-            <a:ext cx="2394286" cy="161636"/>
+            <a:off x="12221638" y="38911692"/>
+            <a:ext cx="2469722" cy="172747"/>
           </a:xfrm>
           <a:prstGeom prst="rect">
             <a:avLst/>
@@ -8419,7 +8424,7 @@
             <a:pPr algn="ctr"/>
             <a:r>
               <a:rPr lang="en-US" sz="1200" dirty="0"/>
-              <a:t>Separable Convolution (5 x 5 x 512)</a:t>
+              <a:t>Separable Convolution (80 x 80 x 32)</a:t>
             </a:r>
           </a:p>
         </p:txBody>
@@ -8679,8 +8684,8 @@
         </p:nvSpPr>
         <p:spPr>
           <a:xfrm>
-            <a:off x="13695361" y="41502085"/>
-            <a:ext cx="2391827" cy="170584"/>
+            <a:off x="13695361" y="41502084"/>
+            <a:ext cx="2522320" cy="181703"/>
           </a:xfrm>
           <a:prstGeom prst="rect">
             <a:avLst/>
@@ -8722,7 +8727,7 @@
             </a:r>
             <a:r>
               <a:rPr lang="en-US" sz="1200" dirty="0"/>
-              <a:t> (__ x __ x ___)</a:t>
+              <a:t> (160 x 160 x 32)</a:t>
             </a:r>
           </a:p>
         </p:txBody>
@@ -8776,7 +8781,7 @@
             <a:pPr algn="ctr"/>
             <a:r>
               <a:rPr lang="en-US" sz="1200" dirty="0"/>
-              <a:t>Concatenation (__ x __ x ___)</a:t>
+              <a:t>Concatenation (160 x 160 x 35)</a:t>
             </a:r>
           </a:p>
         </p:txBody>
@@ -8931,7 +8936,7 @@
         <p:spPr>
           <a:xfrm>
             <a:off x="14870137" y="42837582"/>
-            <a:ext cx="2394286" cy="161636"/>
+            <a:ext cx="2602854" cy="194480"/>
           </a:xfrm>
           <a:prstGeom prst="rect">
             <a:avLst/>
@@ -8965,7 +8970,7 @@
             <a:pPr algn="ctr"/>
             <a:r>
               <a:rPr lang="en-US" sz="1200" dirty="0"/>
-              <a:t>Separable Convolution (5 x 5 x 512)</a:t>
+              <a:t>Separable Convolution (160 x 160 x 16)</a:t>
             </a:r>
           </a:p>
         </p:txBody>
@@ -9174,7 +9179,7 @@
         <p:spPr>
           <a:xfrm>
             <a:off x="14885383" y="44184778"/>
-            <a:ext cx="2394286" cy="161636"/>
+            <a:ext cx="2685180" cy="161628"/>
           </a:xfrm>
           <a:prstGeom prst="rect">
             <a:avLst/>
@@ -9208,7 +9213,7 @@
             <a:pPr algn="ctr"/>
             <a:r>
               <a:rPr lang="en-US" sz="1200" dirty="0"/>
-              <a:t>Separable Convolution (5 x 5 x 512)</a:t>
+              <a:t>Separable Convolution (160 x 160 x 16)</a:t>
             </a:r>
           </a:p>
         </p:txBody>
@@ -9416,8 +9421,8 @@
         </p:nvSpPr>
         <p:spPr>
           <a:xfrm>
-            <a:off x="14885383" y="45542262"/>
-            <a:ext cx="2394286" cy="161636"/>
+            <a:off x="14885383" y="45542261"/>
+            <a:ext cx="2685180" cy="167800"/>
           </a:xfrm>
           <a:prstGeom prst="rect">
             <a:avLst/>
@@ -9451,7 +9456,7 @@
             <a:pPr algn="ctr"/>
             <a:r>
               <a:rPr lang="en-US" sz="1200" dirty="0"/>
-              <a:t>Separable Convolution (5 x 5 x 512)</a:t>
+              <a:t>Separable Convolution (160 x 160 x 16)</a:t>
             </a:r>
           </a:p>
         </p:txBody>
